--- a/Network Security/class 10/NetSec_10/2. Presentation/NetSec_10.pptx
+++ b/Network Security/class 10/NetSec_10/2. Presentation/NetSec_10.pptx
@@ -8,14 +8,13 @@
     <p:sldId id="256" r:id="rId3"/>
     <p:sldId id="277" r:id="rId4"/>
     <p:sldId id="333" r:id="rId5"/>
-    <p:sldId id="335" r:id="rId6"/>
-    <p:sldId id="336" r:id="rId7"/>
-    <p:sldId id="337" r:id="rId8"/>
-    <p:sldId id="338" r:id="rId9"/>
-    <p:sldId id="339" r:id="rId10"/>
-    <p:sldId id="340" r:id="rId11"/>
-    <p:sldId id="341" r:id="rId12"/>
-    <p:sldId id="305" r:id="rId13"/>
+    <p:sldId id="343" r:id="rId6"/>
+    <p:sldId id="344" r:id="rId7"/>
+    <p:sldId id="345" r:id="rId8"/>
+    <p:sldId id="346" r:id="rId9"/>
+    <p:sldId id="347" r:id="rId10"/>
+    <p:sldId id="348" r:id="rId11"/>
+    <p:sldId id="305" r:id="rId12"/>
   </p:sldIdLst>
   <p:sldSz cx="12192000" cy="6858000"/>
   <p:notesSz cx="7103745" cy="10234295"/>
@@ -3217,26 +3216,9 @@
                 <a:latin typeface="Purisa" panose="02000603000000000000" charset="0"/>
                 <a:cs typeface="Purisa" panose="02000603000000000000" charset="0"/>
               </a:rPr>
-              <a:t> lab 2</a:t>
-            </a:r>
-            <a:r>
-              <a:rPr lang="" altLang="en-US" sz="4800" b="1">
-                <a:solidFill>
-                  <a:schemeClr val="tx1"/>
-                </a:solidFill>
-                <a:effectLst>
-                  <a:outerShdw blurRad="38100" dist="19050" dir="2700000" algn="tl" rotWithShape="0">
-                    <a:schemeClr val="dk1">
-                      <a:alpha val="40000"/>
-                    </a:schemeClr>
-                  </a:outerShdw>
-                </a:effectLst>
-                <a:latin typeface="Purisa" panose="02000603000000000000" charset="0"/>
-                <a:cs typeface="Purisa" panose="02000603000000000000" charset="0"/>
-              </a:rPr>
-              <a:t>8</a:t>
-            </a:r>
-            <a:endParaRPr lang="" altLang="en-US" sz="4800" b="1">
+              <a:t> lab 28</a:t>
+            </a:r>
+            <a:endParaRPr lang="en-US" altLang="en-US" sz="4800" b="1">
               <a:solidFill>
                 <a:schemeClr val="tx1"/>
               </a:solidFill>
@@ -3341,6 +3323,206 @@
 </file>
 
 <file path=ppt/slides/slide10.xml><?xml version="1.0" encoding="utf-8"?>
+<p:sld xmlns:a="http://schemas.openxmlformats.org/drawingml/2006/main" xmlns:r="http://schemas.openxmlformats.org/officeDocument/2006/relationships" xmlns:p="http://schemas.openxmlformats.org/presentationml/2006/main">
+  <p:cSld>
+    <p:spTree>
+      <p:nvGrpSpPr>
+        <p:cNvPr id="1" name=""/>
+        <p:cNvGrpSpPr/>
+        <p:nvPr/>
+      </p:nvGrpSpPr>
+      <p:grpSpPr/>
+      <p:sp>
+        <p:nvSpPr>
+          <p:cNvPr id="4" name="Text Box 3"/>
+          <p:cNvSpPr txBox="1"/>
+          <p:nvPr/>
+        </p:nvSpPr>
+        <p:spPr>
+          <a:xfrm rot="20100000">
+            <a:off x="663575" y="2660650"/>
+            <a:ext cx="10864850" cy="1568450"/>
+          </a:xfrm>
+          <a:prstGeom prst="rect">
+            <a:avLst/>
+          </a:prstGeom>
+          <a:noFill/>
+        </p:spPr>
+        <p:txBody>
+          <a:bodyPr wrap="square" rtlCol="0">
+            <a:spAutoFit/>
+          </a:bodyPr>
+          <a:p>
+            <a:pPr algn="ctr"/>
+            <a:r>
+              <a:rPr lang="en-US" altLang="en-US" sz="9600" b="1">
+                <a:solidFill>
+                  <a:srgbClr val="7030A0"/>
+                </a:solidFill>
+                <a:effectLst>
+                  <a:outerShdw blurRad="38100" dist="19050" dir="2700000" algn="tl" rotWithShape="0">
+                    <a:schemeClr val="dk1">
+                      <a:alpha val="40000"/>
+                    </a:schemeClr>
+                  </a:outerShdw>
+                </a:effectLst>
+                <a:uFillTx/>
+                <a:latin typeface="Tibetan Machine Uni" panose="01000503020000020002" charset="0"/>
+                <a:cs typeface="Tibetan Machine Uni" panose="01000503020000020002" charset="0"/>
+              </a:rPr>
+              <a:t>Thank You</a:t>
+            </a:r>
+            <a:endParaRPr lang="en-US" altLang="en-US" sz="9600" b="1">
+              <a:solidFill>
+                <a:srgbClr val="7030A0"/>
+              </a:solidFill>
+              <a:effectLst>
+                <a:outerShdw blurRad="38100" dist="19050" dir="2700000" algn="tl" rotWithShape="0">
+                  <a:schemeClr val="dk1">
+                    <a:alpha val="40000"/>
+                  </a:schemeClr>
+                </a:outerShdw>
+              </a:effectLst>
+              <a:uFillTx/>
+              <a:latin typeface="Tibetan Machine Uni" panose="01000503020000020002" charset="0"/>
+              <a:cs typeface="Tibetan Machine Uni" panose="01000503020000020002" charset="0"/>
+            </a:endParaRPr>
+          </a:p>
+        </p:txBody>
+      </p:sp>
+      <p:pic>
+        <p:nvPicPr>
+          <p:cNvPr id="5" name="Picture 4" descr="United TrusT Logo"/>
+          <p:cNvPicPr>
+            <a:picLocks noChangeAspect="1"/>
+          </p:cNvPicPr>
+          <p:nvPr/>
+        </p:nvPicPr>
+        <p:blipFill>
+          <a:blip r:embed="rId1"/>
+          <a:stretch>
+            <a:fillRect/>
+          </a:stretch>
+        </p:blipFill>
+        <p:spPr>
+          <a:xfrm>
+            <a:off x="108585" y="6128385"/>
+            <a:ext cx="1650365" cy="634365"/>
+          </a:xfrm>
+          <a:prstGeom prst="rect">
+            <a:avLst/>
+          </a:prstGeom>
+        </p:spPr>
+      </p:pic>
+      <p:pic>
+        <p:nvPicPr>
+          <p:cNvPr id="6" name="Picture 5" descr="bdedu_logo"/>
+          <p:cNvPicPr>
+            <a:picLocks noChangeAspect="1"/>
+          </p:cNvPicPr>
+          <p:nvPr/>
+        </p:nvPicPr>
+        <p:blipFill>
+          <a:blip r:embed="rId2"/>
+          <a:stretch>
+            <a:fillRect/>
+          </a:stretch>
+        </p:blipFill>
+        <p:spPr>
+          <a:xfrm>
+            <a:off x="9421495" y="6061710"/>
+            <a:ext cx="2693670" cy="701040"/>
+          </a:xfrm>
+          <a:prstGeom prst="rect">
+            <a:avLst/>
+          </a:prstGeom>
+        </p:spPr>
+      </p:pic>
+      <p:pic>
+        <p:nvPicPr>
+          <p:cNvPr id="8" name="Picture 7"/>
+          <p:cNvPicPr>
+            <a:picLocks noChangeAspect="1"/>
+          </p:cNvPicPr>
+          <p:nvPr/>
+        </p:nvPicPr>
+        <p:blipFill>
+          <a:blip r:embed="rId3">
+            <a:clrChange>
+              <a:clrFrom>
+                <a:srgbClr val="FFFFFF">
+                  <a:alpha val="100000"/>
+                </a:srgbClr>
+              </a:clrFrom>
+              <a:clrTo>
+                <a:srgbClr val="FFFFFF">
+                  <a:alpha val="100000"/>
+                  <a:alpha val="0"/>
+                </a:srgbClr>
+              </a:clrTo>
+            </a:clrChange>
+          </a:blip>
+          <a:stretch>
+            <a:fillRect/>
+          </a:stretch>
+        </p:blipFill>
+        <p:spPr>
+          <a:xfrm>
+            <a:off x="-196215" y="137795"/>
+            <a:ext cx="4137660" cy="1896745"/>
+          </a:xfrm>
+          <a:prstGeom prst="rect">
+            <a:avLst/>
+          </a:prstGeom>
+        </p:spPr>
+      </p:pic>
+      <p:pic>
+        <p:nvPicPr>
+          <p:cNvPr id="11" name="Picture 10"/>
+          <p:cNvPicPr>
+            <a:picLocks noChangeAspect="1"/>
+          </p:cNvPicPr>
+          <p:nvPr/>
+        </p:nvPicPr>
+        <p:blipFill>
+          <a:blip r:embed="rId4">
+            <a:clrChange>
+              <a:clrFrom>
+                <a:srgbClr val="F6F6F6">
+                  <a:alpha val="100000"/>
+                </a:srgbClr>
+              </a:clrFrom>
+              <a:clrTo>
+                <a:srgbClr val="F6F6F6">
+                  <a:alpha val="100000"/>
+                  <a:alpha val="0"/>
+                </a:srgbClr>
+              </a:clrTo>
+            </a:clrChange>
+          </a:blip>
+          <a:stretch>
+            <a:fillRect/>
+          </a:stretch>
+        </p:blipFill>
+        <p:spPr>
+          <a:xfrm>
+            <a:off x="8582025" y="3488690"/>
+            <a:ext cx="2137410" cy="2308860"/>
+          </a:xfrm>
+          <a:prstGeom prst="rect">
+            <a:avLst/>
+          </a:prstGeom>
+        </p:spPr>
+      </p:pic>
+    </p:spTree>
+  </p:cSld>
+  <p:clrMapOvr>
+    <a:masterClrMapping/>
+  </p:clrMapOvr>
+</p:sld>
+</file>
+
+<file path=ppt/slides/slide2.xml><?xml version="1.0" encoding="utf-8"?>
 <p:sld xmlns:a="http://schemas.openxmlformats.org/drawingml/2006/main" xmlns:r="http://schemas.openxmlformats.org/officeDocument/2006/relationships" xmlns:p="http://schemas.openxmlformats.org/presentationml/2006/main">
   <p:cSld>
     <p:spTree>
@@ -3534,7 +3716,7 @@
         <p:spPr>
           <a:xfrm>
             <a:off x="1675130" y="354330"/>
-            <a:ext cx="7353300" cy="583565"/>
+            <a:ext cx="7353300" cy="768350"/>
           </a:xfrm>
           <a:prstGeom prst="rect">
             <a:avLst/>
@@ -3547,7 +3729,7 @@
           </a:bodyPr>
           <a:p>
             <a:r>
-              <a:rPr lang="en-US" altLang="en-US" sz="3200" b="1">
+              <a:rPr altLang="en-US" sz="4400" b="1">
                 <a:ln w="10160">
                   <a:solidFill>
                     <a:schemeClr val="accent5"/>
@@ -3567,9 +3749,9 @@
                 <a:latin typeface="Tibetan Machine Uni" panose="01000503020000020002" charset="0"/>
                 <a:cs typeface="Tibetan Machine Uni" panose="01000503020000020002" charset="0"/>
               </a:rPr>
-              <a:t>Defenses against DNS Poisoning</a:t>
-            </a:r>
-            <a:endParaRPr lang="en-US" altLang="en-US" sz="3200" b="1">
+              <a:t>Trojans </a:t>
+            </a:r>
+            <a:endParaRPr altLang="en-US" sz="4400" b="1">
               <a:ln w="10160">
                 <a:solidFill>
                   <a:schemeClr val="accent5"/>
@@ -3600,8 +3782,8 @@
         </p:nvSpPr>
         <p:spPr>
           <a:xfrm>
-            <a:off x="7529830" y="2917825"/>
-            <a:ext cx="5429885" cy="645160"/>
+            <a:off x="308610" y="2433320"/>
+            <a:ext cx="5440045" cy="2245360"/>
           </a:xfrm>
           <a:prstGeom prst="rect">
             <a:avLst/>
@@ -3618,189 +3800,93 @@
           <a:p>
             <a:pPr marL="0" indent="0"/>
             <a:r>
-              <a:rPr lang="en-US" altLang="en-US" sz="3600" b="0">
+              <a:rPr lang="en-US" sz="2800" b="0">
                 <a:latin typeface="Calibri" charset="0"/>
                 <a:cs typeface="SimSun" charset="0"/>
               </a:rPr>
-              <a:t>use SSL certificate</a:t>
-            </a:r>
-            <a:endParaRPr lang="en-US" altLang="en-US" sz="3600" b="0">
+              <a:t>Trojans are non-replication </a:t>
+            </a:r>
+            <a:endParaRPr lang="en-US" sz="2800" b="0">
               <a:latin typeface="Calibri" charset="0"/>
               <a:cs typeface="SimSun" charset="0"/>
             </a:endParaRPr>
           </a:p>
+          <a:p>
+            <a:pPr marL="0" indent="0"/>
+            <a:r>
+              <a:rPr lang="en-US" sz="2800" b="0">
+                <a:latin typeface="Calibri" charset="0"/>
+                <a:cs typeface="SimSun" charset="0"/>
+              </a:rPr>
+              <a:t>programs; they don’t </a:t>
+            </a:r>
+            <a:endParaRPr lang="en-US" sz="2800" b="0">
+              <a:latin typeface="Calibri" charset="0"/>
+              <a:cs typeface="SimSun" charset="0"/>
+            </a:endParaRPr>
+          </a:p>
+          <a:p>
+            <a:pPr marL="0" indent="0"/>
+            <a:r>
+              <a:rPr lang="en-US" sz="2800" b="0">
+                <a:latin typeface="Calibri" charset="0"/>
+                <a:cs typeface="SimSun" charset="0"/>
+              </a:rPr>
+              <a:t>reproduce their own codes </a:t>
+            </a:r>
+            <a:endParaRPr lang="en-US" sz="2800" b="0">
+              <a:latin typeface="Calibri" charset="0"/>
+              <a:cs typeface="SimSun" charset="0"/>
+            </a:endParaRPr>
+          </a:p>
+          <a:p>
+            <a:pPr marL="0" indent="0"/>
+            <a:r>
+              <a:rPr lang="en-US" sz="2800" b="0">
+                <a:latin typeface="Calibri" charset="0"/>
+                <a:cs typeface="SimSun" charset="0"/>
+              </a:rPr>
+              <a:t>by attaching themselves to</a:t>
+            </a:r>
+            <a:endParaRPr lang="en-US" sz="2800" b="0">
+              <a:latin typeface="Calibri" charset="0"/>
+              <a:cs typeface="SimSun" charset="0"/>
+            </a:endParaRPr>
+          </a:p>
+          <a:p>
+            <a:pPr marL="0" indent="0"/>
+            <a:r>
+              <a:rPr lang="en-US" sz="2800" b="0">
+                <a:latin typeface="Calibri" charset="0"/>
+                <a:cs typeface="SimSun" charset="0"/>
+              </a:rPr>
+              <a:t>other executable codes</a:t>
+            </a:r>
+            <a:endParaRPr lang="en-US" sz="2800" b="0">
+              <a:latin typeface="Calibri" charset="0"/>
+              <a:cs typeface="SimSun" charset="0"/>
+            </a:endParaRPr>
+          </a:p>
         </p:txBody>
       </p:sp>
       <p:pic>
         <p:nvPicPr>
-          <p:cNvPr id="17" name="Picture 13" descr="IMG_256"/>
+          <p:cNvPr id="2" name="Picture 1" descr="IMG_256"/>
           <p:cNvPicPr>
             <a:picLocks noChangeAspect="1"/>
           </p:cNvPicPr>
           <p:nvPr/>
         </p:nvPicPr>
         <p:blipFill>
-          <a:blip r:embed="rId4"/>
-          <a:stretch>
-            <a:fillRect/>
-          </a:stretch>
-        </p:blipFill>
-        <p:spPr>
-          <a:xfrm>
-            <a:off x="440690" y="1729105"/>
-            <a:ext cx="6517640" cy="3952240"/>
-          </a:xfrm>
-          <a:prstGeom prst="rect">
-            <a:avLst/>
-          </a:prstGeom>
-          <a:noFill/>
-          <a:ln w="9525">
-            <a:noFill/>
-          </a:ln>
-        </p:spPr>
-      </p:pic>
-    </p:spTree>
-  </p:cSld>
-  <p:clrMapOvr>
-    <a:masterClrMapping/>
-  </p:clrMapOvr>
-</p:sld>
-</file>
-
-<file path=ppt/slides/slide11.xml><?xml version="1.0" encoding="utf-8"?>
-<p:sld xmlns:a="http://schemas.openxmlformats.org/drawingml/2006/main" xmlns:r="http://schemas.openxmlformats.org/officeDocument/2006/relationships" xmlns:p="http://schemas.openxmlformats.org/presentationml/2006/main">
-  <p:cSld>
-    <p:spTree>
-      <p:nvGrpSpPr>
-        <p:cNvPr id="1" name=""/>
-        <p:cNvGrpSpPr/>
-        <p:nvPr/>
-      </p:nvGrpSpPr>
-      <p:grpSpPr/>
-      <p:sp>
-        <p:nvSpPr>
-          <p:cNvPr id="4" name="Text Box 3"/>
-          <p:cNvSpPr txBox="1"/>
-          <p:nvPr/>
-        </p:nvSpPr>
-        <p:spPr>
-          <a:xfrm rot="20100000">
-            <a:off x="663575" y="2660650"/>
-            <a:ext cx="10864850" cy="1568450"/>
-          </a:xfrm>
-          <a:prstGeom prst="rect">
-            <a:avLst/>
-          </a:prstGeom>
-          <a:noFill/>
-        </p:spPr>
-        <p:txBody>
-          <a:bodyPr wrap="square" rtlCol="0">
-            <a:spAutoFit/>
-          </a:bodyPr>
-          <a:p>
-            <a:pPr algn="ctr"/>
-            <a:r>
-              <a:rPr lang="en-US" altLang="en-US" sz="9600" b="1">
-                <a:solidFill>
-                  <a:srgbClr val="7030A0"/>
-                </a:solidFill>
-                <a:effectLst>
-                  <a:outerShdw blurRad="38100" dist="19050" dir="2700000" algn="tl" rotWithShape="0">
-                    <a:schemeClr val="dk1">
-                      <a:alpha val="40000"/>
-                    </a:schemeClr>
-                  </a:outerShdw>
-                </a:effectLst>
-                <a:uFillTx/>
-                <a:latin typeface="Tibetan Machine Uni" panose="01000503020000020002" charset="0"/>
-                <a:cs typeface="Tibetan Machine Uni" panose="01000503020000020002" charset="0"/>
-              </a:rPr>
-              <a:t>Thank You</a:t>
-            </a:r>
-            <a:endParaRPr lang="en-US" altLang="en-US" sz="9600" b="1">
-              <a:solidFill>
-                <a:srgbClr val="7030A0"/>
-              </a:solidFill>
-              <a:effectLst>
-                <a:outerShdw blurRad="38100" dist="19050" dir="2700000" algn="tl" rotWithShape="0">
-                  <a:schemeClr val="dk1">
-                    <a:alpha val="40000"/>
-                  </a:schemeClr>
-                </a:outerShdw>
-              </a:effectLst>
-              <a:uFillTx/>
-              <a:latin typeface="Tibetan Machine Uni" panose="01000503020000020002" charset="0"/>
-              <a:cs typeface="Tibetan Machine Uni" panose="01000503020000020002" charset="0"/>
-            </a:endParaRPr>
-          </a:p>
-        </p:txBody>
-      </p:sp>
-      <p:pic>
-        <p:nvPicPr>
-          <p:cNvPr id="5" name="Picture 4" descr="United TrusT Logo"/>
-          <p:cNvPicPr>
-            <a:picLocks noChangeAspect="1"/>
-          </p:cNvPicPr>
-          <p:nvPr/>
-        </p:nvPicPr>
-        <p:blipFill>
-          <a:blip r:embed="rId1"/>
-          <a:stretch>
-            <a:fillRect/>
-          </a:stretch>
-        </p:blipFill>
-        <p:spPr>
-          <a:xfrm>
-            <a:off x="108585" y="6128385"/>
-            <a:ext cx="1650365" cy="634365"/>
-          </a:xfrm>
-          <a:prstGeom prst="rect">
-            <a:avLst/>
-          </a:prstGeom>
-        </p:spPr>
-      </p:pic>
-      <p:pic>
-        <p:nvPicPr>
-          <p:cNvPr id="6" name="Picture 5" descr="bdedu_logo"/>
-          <p:cNvPicPr>
-            <a:picLocks noChangeAspect="1"/>
-          </p:cNvPicPr>
-          <p:nvPr/>
-        </p:nvPicPr>
-        <p:blipFill>
-          <a:blip r:embed="rId2"/>
-          <a:stretch>
-            <a:fillRect/>
-          </a:stretch>
-        </p:blipFill>
-        <p:spPr>
-          <a:xfrm>
-            <a:off x="9421495" y="6061710"/>
-            <a:ext cx="2693670" cy="701040"/>
-          </a:xfrm>
-          <a:prstGeom prst="rect">
-            <a:avLst/>
-          </a:prstGeom>
-        </p:spPr>
-      </p:pic>
-      <p:pic>
-        <p:nvPicPr>
-          <p:cNvPr id="8" name="Picture 7"/>
-          <p:cNvPicPr>
-            <a:picLocks noChangeAspect="1"/>
-          </p:cNvPicPr>
-          <p:nvPr/>
-        </p:nvPicPr>
-        <p:blipFill>
-          <a:blip r:embed="rId3">
+          <a:blip r:embed="rId4">
             <a:clrChange>
               <a:clrFrom>
-                <a:srgbClr val="FFFFFF">
+                <a:srgbClr val="FAAF30">
                   <a:alpha val="100000"/>
                 </a:srgbClr>
               </a:clrFrom>
               <a:clrTo>
-                <a:srgbClr val="FFFFFF">
+                <a:srgbClr val="FAAF30">
                   <a:alpha val="100000"/>
                   <a:alpha val="0"/>
                 </a:srgbClr>
@@ -3813,50 +3899,16 @@
         </p:blipFill>
         <p:spPr>
           <a:xfrm>
-            <a:off x="-196215" y="137795"/>
-            <a:ext cx="4137660" cy="1896745"/>
+            <a:off x="5012055" y="1122680"/>
+            <a:ext cx="6822440" cy="3841750"/>
           </a:xfrm>
           <a:prstGeom prst="rect">
             <a:avLst/>
           </a:prstGeom>
-        </p:spPr>
-      </p:pic>
-      <p:pic>
-        <p:nvPicPr>
-          <p:cNvPr id="11" name="Picture 10"/>
-          <p:cNvPicPr>
-            <a:picLocks noChangeAspect="1"/>
-          </p:cNvPicPr>
-          <p:nvPr/>
-        </p:nvPicPr>
-        <p:blipFill>
-          <a:blip r:embed="rId4">
-            <a:clrChange>
-              <a:clrFrom>
-                <a:srgbClr val="F6F6F6">
-                  <a:alpha val="100000"/>
-                </a:srgbClr>
-              </a:clrFrom>
-              <a:clrTo>
-                <a:srgbClr val="F6F6F6">
-                  <a:alpha val="100000"/>
-                  <a:alpha val="0"/>
-                </a:srgbClr>
-              </a:clrTo>
-            </a:clrChange>
-          </a:blip>
-          <a:stretch>
-            <a:fillRect/>
-          </a:stretch>
-        </p:blipFill>
-        <p:spPr>
-          <a:xfrm>
-            <a:off x="8582025" y="3488690"/>
-            <a:ext cx="2137410" cy="2308860"/>
-          </a:xfrm>
-          <a:prstGeom prst="rect">
-            <a:avLst/>
-          </a:prstGeom>
+          <a:noFill/>
+          <a:ln w="9525">
+            <a:noFill/>
+          </a:ln>
         </p:spPr>
       </p:pic>
     </p:spTree>
@@ -3867,7 +3919,7 @@
 </p:sld>
 </file>
 
-<file path=ppt/slides/slide2.xml><?xml version="1.0" encoding="utf-8"?>
+<file path=ppt/slides/slide3.xml><?xml version="1.0" encoding="utf-8"?>
 <p:sld xmlns:a="http://schemas.openxmlformats.org/drawingml/2006/main" xmlns:r="http://schemas.openxmlformats.org/officeDocument/2006/relationships" xmlns:p="http://schemas.openxmlformats.org/presentationml/2006/main">
   <p:cSld>
     <p:spTree>
@@ -4060,8 +4112,8 @@
         </p:nvSpPr>
         <p:spPr>
           <a:xfrm>
-            <a:off x="1675130" y="354330"/>
-            <a:ext cx="7353300" cy="768350"/>
+            <a:off x="1675130" y="425450"/>
+            <a:ext cx="7353300" cy="645160"/>
           </a:xfrm>
           <a:prstGeom prst="rect">
             <a:avLst/>
@@ -4074,7 +4126,7 @@
           </a:bodyPr>
           <a:p>
             <a:r>
-              <a:rPr lang="en-US" altLang="en-US" sz="4400" b="1">
+              <a:rPr lang="" altLang="en-US" sz="3600" b="1">
                 <a:ln w="10160">
                   <a:solidFill>
                     <a:schemeClr val="accent5"/>
@@ -4094,9 +4146,101 @@
                 <a:latin typeface="Tibetan Machine Uni" panose="01000503020000020002" charset="0"/>
                 <a:cs typeface="Tibetan Machine Uni" panose="01000503020000020002" charset="0"/>
               </a:rPr>
-              <a:t>DNS Poisoning</a:t>
-            </a:r>
-            <a:endParaRPr lang="en-US" altLang="en-US" sz="4400" b="1">
+              <a:t>M</a:t>
+            </a:r>
+            <a:r>
+              <a:rPr lang="en-US" altLang="en-US" sz="3600" b="1">
+                <a:ln w="10160">
+                  <a:solidFill>
+                    <a:schemeClr val="accent5"/>
+                  </a:solidFill>
+                  <a:prstDash val="solid"/>
+                </a:ln>
+                <a:solidFill>
+                  <a:srgbClr val="FFFFFF"/>
+                </a:solidFill>
+                <a:effectLst>
+                  <a:outerShdw blurRad="38100" dist="22860" dir="5400000" algn="tl" rotWithShape="0">
+                    <a:srgbClr val="000000">
+                      <a:alpha val="30000"/>
+                    </a:srgbClr>
+                  </a:outerShdw>
+                </a:effectLst>
+                <a:latin typeface="Tibetan Machine Uni" panose="01000503020000020002" charset="0"/>
+                <a:cs typeface="Tibetan Machine Uni" panose="01000503020000020002" charset="0"/>
+              </a:rPr>
+              <a:t>alicious </a:t>
+            </a:r>
+            <a:r>
+              <a:rPr lang="" altLang="en-US" sz="3600" b="1">
+                <a:ln w="10160">
+                  <a:solidFill>
+                    <a:schemeClr val="accent5"/>
+                  </a:solidFill>
+                  <a:prstDash val="solid"/>
+                </a:ln>
+                <a:solidFill>
+                  <a:srgbClr val="FFFFFF"/>
+                </a:solidFill>
+                <a:effectLst>
+                  <a:outerShdw blurRad="38100" dist="22860" dir="5400000" algn="tl" rotWithShape="0">
+                    <a:srgbClr val="000000">
+                      <a:alpha val="30000"/>
+                    </a:srgbClr>
+                  </a:outerShdw>
+                </a:effectLst>
+                <a:latin typeface="Tibetan Machine Uni" panose="01000503020000020002" charset="0"/>
+                <a:cs typeface="Tibetan Machine Uni" panose="01000503020000020002" charset="0"/>
+              </a:rPr>
+              <a:t>F</a:t>
+            </a:r>
+            <a:r>
+              <a:rPr lang="en-US" altLang="en-US" sz="3600" b="1">
+                <a:ln w="10160">
+                  <a:solidFill>
+                    <a:schemeClr val="accent5"/>
+                  </a:solidFill>
+                  <a:prstDash val="solid"/>
+                </a:ln>
+                <a:solidFill>
+                  <a:srgbClr val="FFFFFF"/>
+                </a:solidFill>
+                <a:effectLst>
+                  <a:outerShdw blurRad="38100" dist="22860" dir="5400000" algn="tl" rotWithShape="0">
+                    <a:srgbClr val="000000">
+                      <a:alpha val="30000"/>
+                    </a:srgbClr>
+                  </a:outerShdw>
+                </a:effectLst>
+                <a:latin typeface="Tibetan Machine Uni" panose="01000503020000020002" charset="0"/>
+                <a:cs typeface="Tibetan Machine Uni" panose="01000503020000020002" charset="0"/>
+              </a:rPr>
+              <a:t>unctions </a:t>
+            </a:r>
+            <a:r>
+              <a:rPr lang="" altLang="en-US" sz="3600" b="1">
+                <a:ln w="10160">
+                  <a:solidFill>
+                    <a:schemeClr val="accent5"/>
+                  </a:solidFill>
+                  <a:prstDash val="solid"/>
+                </a:ln>
+                <a:solidFill>
+                  <a:srgbClr val="FFFFFF"/>
+                </a:solidFill>
+                <a:effectLst>
+                  <a:outerShdw blurRad="38100" dist="22860" dir="5400000" algn="tl" rotWithShape="0">
+                    <a:srgbClr val="000000">
+                      <a:alpha val="30000"/>
+                    </a:srgbClr>
+                  </a:outerShdw>
+                </a:effectLst>
+                <a:latin typeface="Tibetan Machine Uni" panose="01000503020000020002" charset="0"/>
+                <a:cs typeface="Tibetan Machine Uni" panose="01000503020000020002" charset="0"/>
+              </a:rPr>
+              <a:t>of Trojan</a:t>
+            </a:r>
+            <a:endParaRPr lang="" altLang="en-US" sz="3600" b="1">
               <a:ln w="10160">
                 <a:solidFill>
                   <a:schemeClr val="accent5"/>
@@ -4119,48 +4263,9 @@
           </a:p>
         </p:txBody>
       </p:sp>
-      <p:sp>
-        <p:nvSpPr>
-          <p:cNvPr id="100" name="Text Box 99"/>
-          <p:cNvSpPr txBox="1"/>
-          <p:nvPr/>
-        </p:nvSpPr>
-        <p:spPr>
-          <a:xfrm>
-            <a:off x="1383030" y="4419600"/>
-            <a:ext cx="9673590" cy="1383665"/>
-          </a:xfrm>
-          <a:prstGeom prst="rect">
-            <a:avLst/>
-          </a:prstGeom>
-          <a:noFill/>
-          <a:ln w="9525">
-            <a:noFill/>
-          </a:ln>
-        </p:spPr>
-        <p:txBody>
-          <a:bodyPr wrap="square">
-            <a:spAutoFit/>
-          </a:bodyPr>
-          <a:p>
-            <a:pPr marL="0" indent="0"/>
-            <a:r>
-              <a:rPr lang="en-US" sz="2800" b="0">
-                <a:latin typeface="Calibri" charset="0"/>
-                <a:cs typeface="SimSun" charset="0"/>
-              </a:rPr>
-              <a:t>DNS Poisoning is a technique that tricks a DNS server into believing that it has received authentic information when, in reality, it has not</a:t>
-            </a:r>
-            <a:endParaRPr lang="en-US" sz="2800" b="0">
-              <a:latin typeface="Calibri" charset="0"/>
-              <a:cs typeface="SimSun" charset="0"/>
-            </a:endParaRPr>
-          </a:p>
-        </p:txBody>
-      </p:sp>
       <p:pic>
         <p:nvPicPr>
-          <p:cNvPr id="4" name="Picture 5" descr="IMG_256"/>
+          <p:cNvPr id="2" name="Picture 2" descr="IMG_256"/>
           <p:cNvPicPr>
             <a:picLocks noChangeAspect="1"/>
           </p:cNvPicPr>
@@ -4170,12 +4275,12 @@
           <a:blip r:embed="rId4">
             <a:clrChange>
               <a:clrFrom>
-                <a:srgbClr val="DBDBDB">
+                <a:srgbClr val="FFFFFF">
                   <a:alpha val="100000"/>
                 </a:srgbClr>
               </a:clrFrom>
               <a:clrTo>
-                <a:srgbClr val="DBDBDB">
+                <a:srgbClr val="FFFFFF">
                   <a:alpha val="100000"/>
                   <a:alpha val="0"/>
                 </a:srgbClr>
@@ -4189,8 +4294,8 @@
         </p:blipFill>
         <p:spPr>
           <a:xfrm>
-            <a:off x="2780030" y="1784350"/>
-            <a:ext cx="6660515" cy="2442845"/>
+            <a:off x="4758055" y="1847215"/>
+            <a:ext cx="6892290" cy="3649345"/>
           </a:xfrm>
           <a:prstGeom prst="rect">
             <a:avLst/>
@@ -4201,6 +4306,59 @@
           </a:ln>
         </p:spPr>
       </p:pic>
+      <p:sp>
+        <p:nvSpPr>
+          <p:cNvPr id="100" name="Text Box 99"/>
+          <p:cNvSpPr txBox="1"/>
+          <p:nvPr/>
+        </p:nvSpPr>
+        <p:spPr>
+          <a:xfrm>
+            <a:off x="440690" y="3244850"/>
+            <a:ext cx="5080000" cy="460375"/>
+          </a:xfrm>
+          <a:prstGeom prst="rect">
+            <a:avLst/>
+          </a:prstGeom>
+          <a:noFill/>
+          <a:ln w="9525">
+            <a:noFill/>
+          </a:ln>
+        </p:spPr>
+        <p:txBody>
+          <a:bodyPr>
+            <a:spAutoFit/>
+          </a:bodyPr>
+          <a:p>
+            <a:pPr marL="0" indent="0"/>
+            <a:r>
+              <a:rPr lang="en-US" sz="2400" b="0">
+                <a:latin typeface="Calibri" charset="0"/>
+                <a:cs typeface="SimSun" charset="0"/>
+              </a:rPr>
+              <a:t>create</a:t>
+            </a:r>
+            <a:r>
+              <a:rPr lang="" altLang="en-US" sz="2400" b="0">
+                <a:latin typeface="Calibri" charset="0"/>
+                <a:cs typeface="SimSun" charset="0"/>
+              </a:rPr>
+              <a:t>s</a:t>
+            </a:r>
+            <a:r>
+              <a:rPr lang="en-US" sz="2400" b="0">
+                <a:latin typeface="Calibri" charset="0"/>
+                <a:cs typeface="SimSun" charset="0"/>
+              </a:rPr>
+              <a:t> backdoor to a system</a:t>
+            </a:r>
+            <a:endParaRPr lang="en-US" sz="2400" b="0">
+              <a:latin typeface="Calibri" charset="0"/>
+              <a:cs typeface="SimSun" charset="0"/>
+            </a:endParaRPr>
+          </a:p>
+        </p:txBody>
+      </p:sp>
     </p:spTree>
   </p:cSld>
   <p:clrMapOvr>
@@ -4209,7 +4367,7 @@
 </p:sld>
 </file>
 
-<file path=ppt/slides/slide3.xml><?xml version="1.0" encoding="utf-8"?>
+<file path=ppt/slides/slide4.xml><?xml version="1.0" encoding="utf-8"?>
 <p:sld xmlns:a="http://schemas.openxmlformats.org/drawingml/2006/main" xmlns:r="http://schemas.openxmlformats.org/officeDocument/2006/relationships" xmlns:p="http://schemas.openxmlformats.org/presentationml/2006/main">
   <p:cSld>
     <p:spTree>
@@ -4402,7 +4560,7 @@
         </p:nvSpPr>
         <p:spPr>
           <a:xfrm>
-            <a:off x="1675130" y="354330"/>
+            <a:off x="1675130" y="425450"/>
             <a:ext cx="7353300" cy="645160"/>
           </a:xfrm>
           <a:prstGeom prst="rect">
@@ -4436,7 +4594,7 @@
                 <a:latin typeface="Tibetan Machine Uni" panose="01000503020000020002" charset="0"/>
                 <a:cs typeface="Tibetan Machine Uni" panose="01000503020000020002" charset="0"/>
               </a:rPr>
-              <a:t>DNS Spoofing</a:t>
+              <a:t>Malicious Functions of Trojan</a:t>
             </a:r>
             <a:endParaRPr lang="en-US" altLang="en-US" sz="3600" b="1">
               <a:ln w="10160">
@@ -4461,39 +4619,63 @@
           </a:p>
         </p:txBody>
       </p:sp>
+      <p:sp>
+        <p:nvSpPr>
+          <p:cNvPr id="100" name="Text Box 99"/>
+          <p:cNvSpPr txBox="1"/>
+          <p:nvPr/>
+        </p:nvSpPr>
+        <p:spPr>
+          <a:xfrm>
+            <a:off x="8345805" y="2829560"/>
+            <a:ext cx="3461385" cy="1568450"/>
+          </a:xfrm>
+          <a:prstGeom prst="rect">
+            <a:avLst/>
+          </a:prstGeom>
+          <a:noFill/>
+          <a:ln w="9525">
+            <a:noFill/>
+          </a:ln>
+        </p:spPr>
+        <p:txBody>
+          <a:bodyPr wrap="square">
+            <a:spAutoFit/>
+          </a:bodyPr>
+          <a:p>
+            <a:pPr marL="0" indent="0"/>
+            <a:r>
+              <a:rPr lang="en-US" sz="2400" b="0">
+                <a:latin typeface="Calibri" charset="0"/>
+                <a:cs typeface="SimSun" charset="0"/>
+              </a:rPr>
+              <a:t>steal all your financial data like bank accounts, transaction details</a:t>
+            </a:r>
+            <a:endParaRPr lang="en-US" sz="2400" b="0">
+              <a:latin typeface="Calibri" charset="0"/>
+              <a:cs typeface="SimSun" charset="0"/>
+            </a:endParaRPr>
+          </a:p>
+        </p:txBody>
+      </p:sp>
       <p:pic>
         <p:nvPicPr>
-          <p:cNvPr id="9" name="Picture 6" descr="IMG_256"/>
+          <p:cNvPr id="3" name="Picture 3" descr="IMG_256"/>
           <p:cNvPicPr>
             <a:picLocks noChangeAspect="1"/>
           </p:cNvPicPr>
           <p:nvPr/>
         </p:nvPicPr>
         <p:blipFill>
-          <a:blip r:embed="rId4">
-            <a:clrChange>
-              <a:clrFrom>
-                <a:srgbClr val="F5F5F5">
-                  <a:alpha val="100000"/>
-                </a:srgbClr>
-              </a:clrFrom>
-              <a:clrTo>
-                <a:srgbClr val="F5F5F5">
-                  <a:alpha val="100000"/>
-                  <a:alpha val="0"/>
-                </a:srgbClr>
-              </a:clrTo>
-            </a:clrChange>
-            <a:lum bright="-6000"/>
-          </a:blip>
+          <a:blip r:embed="rId4"/>
           <a:stretch>
             <a:fillRect/>
           </a:stretch>
         </p:blipFill>
         <p:spPr>
           <a:xfrm>
-            <a:off x="2157095" y="1607185"/>
-            <a:ext cx="8255635" cy="4129405"/>
+            <a:off x="440690" y="1929130"/>
+            <a:ext cx="7105650" cy="3553460"/>
           </a:xfrm>
           <a:prstGeom prst="rect">
             <a:avLst/>
@@ -4512,7 +4694,7 @@
 </p:sld>
 </file>
 
-<file path=ppt/slides/slide4.xml><?xml version="1.0" encoding="utf-8"?>
+<file path=ppt/slides/slide5.xml><?xml version="1.0" encoding="utf-8"?>
 <p:sld xmlns:a="http://schemas.openxmlformats.org/drawingml/2006/main" xmlns:r="http://schemas.openxmlformats.org/officeDocument/2006/relationships" xmlns:p="http://schemas.openxmlformats.org/presentationml/2006/main">
   <p:cSld>
     <p:spTree>
@@ -4705,8 +4887,8 @@
         </p:nvSpPr>
         <p:spPr>
           <a:xfrm>
-            <a:off x="1675130" y="354330"/>
-            <a:ext cx="7353300" cy="583565"/>
+            <a:off x="1675130" y="425450"/>
+            <a:ext cx="7353300" cy="645160"/>
           </a:xfrm>
           <a:prstGeom prst="rect">
             <a:avLst/>
@@ -4719,7 +4901,7 @@
           </a:bodyPr>
           <a:p>
             <a:r>
-              <a:rPr lang="en-US" altLang="en-US" sz="3200" b="1">
+              <a:rPr lang="en-US" altLang="en-US" sz="3600" b="1">
                 <a:ln w="10160">
                   <a:solidFill>
                     <a:schemeClr val="accent5"/>
@@ -4739,9 +4921,9 @@
                 <a:latin typeface="Tibetan Machine Uni" panose="01000503020000020002" charset="0"/>
                 <a:cs typeface="Tibetan Machine Uni" panose="01000503020000020002" charset="0"/>
               </a:rPr>
-              <a:t>Defenses against DNS Poisoning</a:t>
-            </a:r>
-            <a:endParaRPr lang="en-US" altLang="en-US" sz="3200" b="1">
+              <a:t>Malicious Functions of Trojan</a:t>
+            </a:r>
+            <a:endParaRPr lang="en-US" altLang="en-US" sz="3600" b="1">
               <a:ln w="10160">
                 <a:solidFill>
                   <a:schemeClr val="accent5"/>
@@ -4772,8 +4954,8 @@
         </p:nvSpPr>
         <p:spPr>
           <a:xfrm>
-            <a:off x="7054215" y="3496945"/>
-            <a:ext cx="5080000" cy="829945"/>
+            <a:off x="897255" y="3446780"/>
+            <a:ext cx="3461385" cy="768350"/>
           </a:xfrm>
           <a:prstGeom prst="rect">
             <a:avLst/>
@@ -4784,19 +4966,19 @@
           </a:ln>
         </p:spPr>
         <p:txBody>
-          <a:bodyPr>
+          <a:bodyPr wrap="square">
             <a:spAutoFit/>
           </a:bodyPr>
           <a:p>
             <a:pPr marL="0" indent="0"/>
             <a:r>
-              <a:rPr lang="en-US" sz="2400" b="0">
+              <a:rPr lang="" altLang="en-US" sz="4400" b="0">
                 <a:latin typeface="Calibri" charset="0"/>
                 <a:cs typeface="SimSun" charset="0"/>
               </a:rPr>
-              <a:t>Use a hardware-switched network</a:t>
-            </a:r>
-            <a:endParaRPr lang="en-US" sz="2400" b="0">
+              <a:t>DOS Attack</a:t>
+            </a:r>
+            <a:endParaRPr lang="" altLang="en-US" sz="4400" b="0">
               <a:latin typeface="Calibri" charset="0"/>
               <a:cs typeface="SimSun" charset="0"/>
             </a:endParaRPr>
@@ -4805,7 +4987,7 @@
       </p:sp>
       <p:pic>
         <p:nvPicPr>
-          <p:cNvPr id="4" name="Picture 3"/>
+          <p:cNvPr id="2" name="Picture 4" descr="IMG_256"/>
           <p:cNvPicPr>
             <a:picLocks noChangeAspect="1"/>
           </p:cNvPicPr>
@@ -4826,6 +5008,7 @@
                 </a:srgbClr>
               </a:clrTo>
             </a:clrChange>
+            <a:lum bright="-6000"/>
           </a:blip>
           <a:stretch>
             <a:fillRect/>
@@ -4833,12 +5016,16 @@
         </p:blipFill>
         <p:spPr>
           <a:xfrm>
-            <a:off x="326390" y="1551305"/>
-            <a:ext cx="6056630" cy="3756025"/>
+            <a:off x="5969635" y="1742440"/>
+            <a:ext cx="5566410" cy="4177665"/>
           </a:xfrm>
           <a:prstGeom prst="rect">
             <a:avLst/>
           </a:prstGeom>
+          <a:noFill/>
+          <a:ln w="9525">
+            <a:noFill/>
+          </a:ln>
         </p:spPr>
       </p:pic>
     </p:spTree>
@@ -4849,7 +5036,7 @@
 </p:sld>
 </file>
 
-<file path=ppt/slides/slide5.xml><?xml version="1.0" encoding="utf-8"?>
+<file path=ppt/slides/slide6.xml><?xml version="1.0" encoding="utf-8"?>
 <p:sld xmlns:a="http://schemas.openxmlformats.org/drawingml/2006/main" xmlns:r="http://schemas.openxmlformats.org/officeDocument/2006/relationships" xmlns:p="http://schemas.openxmlformats.org/presentationml/2006/main">
   <p:cSld>
     <p:spTree>
@@ -5042,8 +5229,8 @@
         </p:nvSpPr>
         <p:spPr>
           <a:xfrm>
-            <a:off x="1675130" y="354330"/>
-            <a:ext cx="7353300" cy="583565"/>
+            <a:off x="1675130" y="425450"/>
+            <a:ext cx="7353300" cy="645160"/>
           </a:xfrm>
           <a:prstGeom prst="rect">
             <a:avLst/>
@@ -5056,7 +5243,7 @@
           </a:bodyPr>
           <a:p>
             <a:r>
-              <a:rPr lang="en-US" altLang="en-US" sz="3200" b="1">
+              <a:rPr lang="en-US" altLang="en-US" sz="3600" b="1">
                 <a:ln w="10160">
                   <a:solidFill>
                     <a:schemeClr val="accent5"/>
@@ -5076,9 +5263,9 @@
                 <a:latin typeface="Tibetan Machine Uni" panose="01000503020000020002" charset="0"/>
                 <a:cs typeface="Tibetan Machine Uni" panose="01000503020000020002" charset="0"/>
               </a:rPr>
-              <a:t>Defenses against DNS Poisoning</a:t>
-            </a:r>
-            <a:endParaRPr lang="en-US" altLang="en-US" sz="3200" b="1">
+              <a:t>Malicious Functions of Trojan</a:t>
+            </a:r>
+            <a:endParaRPr lang="en-US" altLang="en-US" sz="3600" b="1">
               <a:ln w="10160">
                 <a:solidFill>
                   <a:schemeClr val="accent5"/>
@@ -5109,8 +5296,8 @@
         </p:nvSpPr>
         <p:spPr>
           <a:xfrm>
-            <a:off x="2501265" y="5268595"/>
-            <a:ext cx="8527415" cy="460375"/>
+            <a:off x="855345" y="4652645"/>
+            <a:ext cx="10208895" cy="768350"/>
           </a:xfrm>
           <a:prstGeom prst="rect">
             <a:avLst/>
@@ -5127,13 +5314,27 @@
           <a:p>
             <a:pPr marL="0" indent="0"/>
             <a:r>
-              <a:rPr lang="en-US" sz="2400" b="0">
+              <a:rPr lang="en-US" altLang="en-US" sz="4400" b="0">
                 <a:latin typeface="Calibri" charset="0"/>
                 <a:cs typeface="SimSun" charset="0"/>
               </a:rPr>
-              <a:t>Implement IP DHCP Snooping on switches</a:t>
-            </a:r>
-            <a:endParaRPr lang="en-US" sz="2400" b="0">
+              <a:t>Trojans can encrypt all </a:t>
+            </a:r>
+            <a:r>
+              <a:rPr lang="" altLang="en-US" sz="4400" b="0">
+                <a:latin typeface="Calibri" charset="0"/>
+                <a:cs typeface="SimSun" charset="0"/>
+              </a:rPr>
+              <a:t>of</a:t>
+            </a:r>
+            <a:r>
+              <a:rPr lang="en-US" altLang="en-US" sz="4400" b="0">
+                <a:latin typeface="Calibri" charset="0"/>
+                <a:cs typeface="SimSun" charset="0"/>
+              </a:rPr>
+              <a:t> your files</a:t>
+            </a:r>
+            <a:endParaRPr lang="en-US" altLang="en-US" sz="4400" b="0">
               <a:latin typeface="Calibri" charset="0"/>
               <a:cs typeface="SimSun" charset="0"/>
             </a:endParaRPr>
@@ -5163,15 +5364,17 @@
                 </a:srgbClr>
               </a:clrTo>
             </a:clrChange>
+            <a:lum bright="-6000"/>
           </a:blip>
+          <a:srcRect t="20197" b="41334"/>
           <a:stretch>
             <a:fillRect/>
           </a:stretch>
         </p:blipFill>
         <p:spPr>
           <a:xfrm>
-            <a:off x="3245485" y="1757045"/>
-            <a:ext cx="6787515" cy="3054350"/>
+            <a:off x="702310" y="1704340"/>
+            <a:ext cx="10515600" cy="2022475"/>
           </a:xfrm>
           <a:prstGeom prst="rect">
             <a:avLst/>
@@ -5186,7 +5389,7 @@
 </p:sld>
 </file>
 
-<file path=ppt/slides/slide6.xml><?xml version="1.0" encoding="utf-8"?>
+<file path=ppt/slides/slide7.xml><?xml version="1.0" encoding="utf-8"?>
 <p:sld xmlns:a="http://schemas.openxmlformats.org/drawingml/2006/main" xmlns:r="http://schemas.openxmlformats.org/officeDocument/2006/relationships" xmlns:p="http://schemas.openxmlformats.org/presentationml/2006/main">
   <p:cSld>
     <p:spTree>
@@ -5379,8 +5582,8 @@
         </p:nvSpPr>
         <p:spPr>
           <a:xfrm>
-            <a:off x="1675130" y="354330"/>
-            <a:ext cx="7353300" cy="583565"/>
+            <a:off x="1675130" y="425450"/>
+            <a:ext cx="7353300" cy="645160"/>
           </a:xfrm>
           <a:prstGeom prst="rect">
             <a:avLst/>
@@ -5393,7 +5596,7 @@
           </a:bodyPr>
           <a:p>
             <a:r>
-              <a:rPr lang="en-US" altLang="en-US" sz="3200" b="1">
+              <a:rPr lang="en-US" altLang="en-US" sz="3600" b="1">
                 <a:ln w="10160">
                   <a:solidFill>
                     <a:schemeClr val="accent5"/>
@@ -5413,9 +5616,9 @@
                 <a:latin typeface="Tibetan Machine Uni" panose="01000503020000020002" charset="0"/>
                 <a:cs typeface="Tibetan Machine Uni" panose="01000503020000020002" charset="0"/>
               </a:rPr>
-              <a:t>Defenses against DNS Poisoning</a:t>
-            </a:r>
-            <a:endParaRPr lang="en-US" altLang="en-US" sz="3200" b="1">
+              <a:t>Malicious Functions of Trojan</a:t>
+            </a:r>
+            <a:endParaRPr lang="en-US" altLang="en-US" sz="3600" b="1">
               <a:ln w="10160">
                 <a:solidFill>
                   <a:schemeClr val="accent5"/>
@@ -5446,8 +5649,8 @@
         </p:nvSpPr>
         <p:spPr>
           <a:xfrm>
-            <a:off x="7656830" y="3610610"/>
-            <a:ext cx="3696335" cy="1198880"/>
+            <a:off x="264795" y="3223895"/>
+            <a:ext cx="4074795" cy="2122805"/>
           </a:xfrm>
           <a:prstGeom prst="rect">
             <a:avLst/>
@@ -5464,13 +5667,13 @@
           <a:p>
             <a:pPr marL="0" indent="0"/>
             <a:r>
-              <a:rPr lang="en-US" sz="2400" b="0">
+              <a:rPr lang="en-US" altLang="en-US" sz="4400" b="0">
                 <a:latin typeface="Calibri" charset="0"/>
                 <a:cs typeface="SimSun" charset="0"/>
               </a:rPr>
-              <a:t>Be careful when deploying </a:t>
-            </a:r>
-            <a:endParaRPr lang="en-US" sz="2400" b="0">
+              <a:t>Trojans can</a:t>
+            </a:r>
+            <a:endParaRPr lang="en-US" altLang="en-US" sz="4400" b="0">
               <a:latin typeface="Calibri" charset="0"/>
               <a:cs typeface="SimSun" charset="0"/>
             </a:endParaRPr>
@@ -5478,22 +5681,36 @@
           <a:p>
             <a:pPr marL="0" indent="0"/>
             <a:r>
-              <a:rPr lang="en-US" sz="2400" b="0">
+              <a:rPr lang="en-US" altLang="en-US" sz="4400" b="0">
                 <a:latin typeface="Calibri" charset="0"/>
                 <a:cs typeface="SimSun" charset="0"/>
               </a:rPr>
-              <a:t>wireless access points</a:t>
-            </a:r>
-            <a:endParaRPr lang="en-US" sz="2400" b="0">
+              <a:t> encrypt all </a:t>
+            </a:r>
+            <a:endParaRPr lang="en-US" altLang="en-US" sz="4400" b="0">
               <a:latin typeface="Calibri" charset="0"/>
               <a:cs typeface="SimSun" charset="0"/>
             </a:endParaRPr>
           </a:p>
+          <a:p>
+            <a:pPr marL="0" indent="0"/>
+            <a:r>
+              <a:rPr lang="en-US" altLang="en-US" sz="4400" b="0">
+                <a:latin typeface="Calibri" charset="0"/>
+                <a:cs typeface="SimSun" charset="0"/>
+              </a:rPr>
+              <a:t>of your files</a:t>
+            </a:r>
+            <a:endParaRPr lang="en-US" altLang="en-US" sz="4400" b="0">
+              <a:latin typeface="Calibri" charset="0"/>
+              <a:cs typeface="SimSun" charset="0"/>
+            </a:endParaRPr>
+          </a:p>
         </p:txBody>
       </p:sp>
       <p:pic>
         <p:nvPicPr>
-          <p:cNvPr id="4" name="Picture 3"/>
+          <p:cNvPr id="2" name="Picture 5" descr="IMG_256"/>
           <p:cNvPicPr>
             <a:picLocks noChangeAspect="1"/>
           </p:cNvPicPr>
@@ -5503,18 +5720,18 @@
           <a:blip r:embed="rId4">
             <a:clrChange>
               <a:clrFrom>
-                <a:srgbClr val="FFFFFF">
+                <a:srgbClr val="3598DC">
                   <a:alpha val="100000"/>
                 </a:srgbClr>
               </a:clrFrom>
               <a:clrTo>
-                <a:srgbClr val="FFFFFF">
+                <a:srgbClr val="3598DC">
                   <a:alpha val="100000"/>
                   <a:alpha val="0"/>
                 </a:srgbClr>
               </a:clrTo>
             </a:clrChange>
-            <a:lum bright="-12000"/>
+            <a:lum bright="-6000"/>
           </a:blip>
           <a:stretch>
             <a:fillRect/>
@@ -5522,12 +5739,16 @@
         </p:blipFill>
         <p:spPr>
           <a:xfrm>
-            <a:off x="440690" y="1100455"/>
-            <a:ext cx="5023485" cy="5027930"/>
+            <a:off x="5148580" y="1282700"/>
+            <a:ext cx="6276340" cy="4707255"/>
           </a:xfrm>
           <a:prstGeom prst="rect">
             <a:avLst/>
           </a:prstGeom>
+          <a:noFill/>
+          <a:ln w="9525">
+            <a:noFill/>
+          </a:ln>
         </p:spPr>
       </p:pic>
     </p:spTree>
@@ -5538,7 +5759,7 @@
 </p:sld>
 </file>
 
-<file path=ppt/slides/slide7.xml><?xml version="1.0" encoding="utf-8"?>
+<file path=ppt/slides/slide8.xml><?xml version="1.0" encoding="utf-8"?>
 <p:sld xmlns:a="http://schemas.openxmlformats.org/drawingml/2006/main" xmlns:r="http://schemas.openxmlformats.org/officeDocument/2006/relationships" xmlns:p="http://schemas.openxmlformats.org/presentationml/2006/main">
   <p:cSld>
     <p:spTree>
@@ -5731,8 +5952,8 @@
         </p:nvSpPr>
         <p:spPr>
           <a:xfrm>
-            <a:off x="1675130" y="354330"/>
-            <a:ext cx="7353300" cy="583565"/>
+            <a:off x="1675130" y="425450"/>
+            <a:ext cx="7353300" cy="645160"/>
           </a:xfrm>
           <a:prstGeom prst="rect">
             <a:avLst/>
@@ -5745,7 +5966,7 @@
           </a:bodyPr>
           <a:p>
             <a:r>
-              <a:rPr lang="en-US" altLang="en-US" sz="3200" b="1">
+              <a:rPr lang="en-US" altLang="en-US" sz="3600" b="1">
                 <a:ln w="10160">
                   <a:solidFill>
                     <a:schemeClr val="accent5"/>
@@ -5765,9 +5986,9 @@
                 <a:latin typeface="Tibetan Machine Uni" panose="01000503020000020002" charset="0"/>
                 <a:cs typeface="Tibetan Machine Uni" panose="01000503020000020002" charset="0"/>
               </a:rPr>
-              <a:t>Defenses against DNS Poisoning</a:t>
-            </a:r>
-            <a:endParaRPr lang="en-US" altLang="en-US" sz="3200" b="1">
+              <a:t>Malicious Functions of Trojan</a:t>
+            </a:r>
+            <a:endParaRPr lang="en-US" altLang="en-US" sz="3600" b="1">
               <a:ln w="10160">
                 <a:solidFill>
                   <a:schemeClr val="accent5"/>
@@ -5798,8 +6019,8 @@
         </p:nvSpPr>
         <p:spPr>
           <a:xfrm>
-            <a:off x="7656830" y="3610610"/>
-            <a:ext cx="3696335" cy="829945"/>
+            <a:off x="264795" y="3223895"/>
+            <a:ext cx="4074795" cy="1383665"/>
           </a:xfrm>
           <a:prstGeom prst="rect">
             <a:avLst/>
@@ -5816,13 +6037,13 @@
           <a:p>
             <a:pPr marL="0" indent="0"/>
             <a:r>
-              <a:rPr lang="en-US" sz="2400" b="0">
+              <a:rPr lang="en-US" altLang="en-US" sz="2800" b="0">
                 <a:latin typeface="Calibri" charset="0"/>
                 <a:cs typeface="SimSun" charset="0"/>
               </a:rPr>
-              <a:t>Encrypt your sensitive traffic</a:t>
-            </a:r>
-            <a:endParaRPr lang="en-US" sz="2400" b="0">
+              <a:t>Trojans can use your phones to send SMS to third parties</a:t>
+            </a:r>
+            <a:endParaRPr lang="en-US" altLang="en-US" sz="2800" b="0">
               <a:latin typeface="Calibri" charset="0"/>
               <a:cs typeface="SimSun" charset="0"/>
             </a:endParaRPr>
@@ -5831,45 +6052,26 @@
       </p:sp>
       <p:pic>
         <p:nvPicPr>
-          <p:cNvPr id="11" name="Picture 8" descr="IMG_256"/>
+          <p:cNvPr id="3" name="Picture 2"/>
           <p:cNvPicPr>
             <a:picLocks noChangeAspect="1"/>
           </p:cNvPicPr>
           <p:nvPr/>
         </p:nvPicPr>
         <p:blipFill>
-          <a:blip r:embed="rId4">
-            <a:clrChange>
-              <a:clrFrom>
-                <a:srgbClr val="FFFFFF">
-                  <a:alpha val="100000"/>
-                </a:srgbClr>
-              </a:clrFrom>
-              <a:clrTo>
-                <a:srgbClr val="FFFFFF">
-                  <a:alpha val="100000"/>
-                  <a:alpha val="0"/>
-                </a:srgbClr>
-              </a:clrTo>
-            </a:clrChange>
-            <a:lum bright="-6000"/>
-          </a:blip>
+          <a:blip r:embed="rId4"/>
           <a:stretch>
             <a:fillRect/>
           </a:stretch>
         </p:blipFill>
         <p:spPr>
           <a:xfrm>
-            <a:off x="974090" y="2125980"/>
-            <a:ext cx="6317615" cy="3159760"/>
+            <a:off x="4820285" y="1743075"/>
+            <a:ext cx="5390515" cy="4043045"/>
           </a:xfrm>
           <a:prstGeom prst="rect">
             <a:avLst/>
           </a:prstGeom>
-          <a:noFill/>
-          <a:ln w="9525">
-            <a:noFill/>
-          </a:ln>
         </p:spPr>
       </p:pic>
     </p:spTree>
@@ -5880,7 +6082,7 @@
 </p:sld>
 </file>
 
-<file path=ppt/slides/slide8.xml><?xml version="1.0" encoding="utf-8"?>
+<file path=ppt/slides/slide9.xml><?xml version="1.0" encoding="utf-8"?>
 <p:sld xmlns:a="http://schemas.openxmlformats.org/drawingml/2006/main" xmlns:r="http://schemas.openxmlformats.org/officeDocument/2006/relationships" xmlns:p="http://schemas.openxmlformats.org/presentationml/2006/main">
   <p:cSld>
     <p:spTree>
@@ -6073,8 +6275,8 @@
         </p:nvSpPr>
         <p:spPr>
           <a:xfrm>
-            <a:off x="1675130" y="354330"/>
-            <a:ext cx="7353300" cy="583565"/>
+            <a:off x="1675130" y="425450"/>
+            <a:ext cx="7353300" cy="645160"/>
           </a:xfrm>
           <a:prstGeom prst="rect">
             <a:avLst/>
@@ -6087,7 +6289,7 @@
           </a:bodyPr>
           <a:p>
             <a:r>
-              <a:rPr lang="en-US" altLang="en-US" sz="3200" b="1">
+              <a:rPr lang="en-US" altLang="en-US" sz="3600" b="1">
                 <a:ln w="10160">
                   <a:solidFill>
                     <a:schemeClr val="accent5"/>
@@ -6107,9 +6309,9 @@
                 <a:latin typeface="Tibetan Machine Uni" panose="01000503020000020002" charset="0"/>
                 <a:cs typeface="Tibetan Machine Uni" panose="01000503020000020002" charset="0"/>
               </a:rPr>
-              <a:t>Defenses against DNS Poisoning</a:t>
-            </a:r>
-            <a:endParaRPr lang="en-US" altLang="en-US" sz="3200" b="1">
+              <a:t>TCP/IP Hijacking</a:t>
+            </a:r>
+            <a:endParaRPr lang="en-US" altLang="en-US" sz="3600" b="1">
               <a:ln w="10160">
                 <a:solidFill>
                   <a:schemeClr val="accent5"/>
@@ -6140,8 +6342,8 @@
         </p:nvSpPr>
         <p:spPr>
           <a:xfrm>
-            <a:off x="265430" y="4022725"/>
-            <a:ext cx="6382385" cy="829945"/>
+            <a:off x="2649220" y="4745355"/>
+            <a:ext cx="4321810" cy="1014730"/>
           </a:xfrm>
           <a:prstGeom prst="rect">
             <a:avLst/>
@@ -6158,27 +6360,13 @@
           <a:p>
             <a:pPr marL="0" indent="0"/>
             <a:r>
-              <a:rPr lang="en-US" sz="2400" b="0">
+              <a:rPr lang="en-US" altLang="en-US" sz="2000" b="0">
                 <a:latin typeface="Calibri" charset="0"/>
                 <a:cs typeface="SimSun" charset="0"/>
               </a:rPr>
-              <a:t>specifi</a:t>
-            </a:r>
-            <a:r>
-              <a:rPr lang="en-US" altLang="en-US" sz="2400" b="0">
-                <a:latin typeface="Calibri" charset="0"/>
-                <a:cs typeface="SimSun" charset="0"/>
-              </a:rPr>
-              <a:t>y</a:t>
-            </a:r>
-            <a:r>
-              <a:rPr lang="en-US" sz="2400" b="0">
-                <a:latin typeface="Calibri" charset="0"/>
-                <a:cs typeface="SimSun" charset="0"/>
-              </a:rPr>
-              <a:t> MAC addresses to send and receive data on each port</a:t>
-            </a:r>
-            <a:endParaRPr lang="en-US" sz="2400" b="0">
+              <a:t>when an authorized user gains access to a genuine network connection of another user</a:t>
+            </a:r>
+            <a:endParaRPr lang="en-US" altLang="en-US" sz="2000" b="0">
               <a:latin typeface="Calibri" charset="0"/>
               <a:cs typeface="SimSun" charset="0"/>
             </a:endParaRPr>
@@ -6187,7 +6375,7 @@
       </p:sp>
       <p:pic>
         <p:nvPicPr>
-          <p:cNvPr id="12" name="Picture 9" descr="IMG_256"/>
+          <p:cNvPr id="9" name="Picture 6" descr="IMG_256"/>
           <p:cNvPicPr>
             <a:picLocks noChangeAspect="1"/>
           </p:cNvPicPr>
@@ -6216,8 +6404,8 @@
         </p:blipFill>
         <p:spPr>
           <a:xfrm>
-            <a:off x="6812280" y="1932940"/>
-            <a:ext cx="5044440" cy="3453130"/>
+            <a:off x="306070" y="1513840"/>
+            <a:ext cx="7999095" cy="3039745"/>
           </a:xfrm>
           <a:prstGeom prst="rect">
             <a:avLst/>
@@ -6226,344 +6414,6 @@
           <a:ln w="9525">
             <a:noFill/>
           </a:ln>
-        </p:spPr>
-      </p:pic>
-    </p:spTree>
-  </p:cSld>
-  <p:clrMapOvr>
-    <a:masterClrMapping/>
-  </p:clrMapOvr>
-</p:sld>
-</file>
-
-<file path=ppt/slides/slide9.xml><?xml version="1.0" encoding="utf-8"?>
-<p:sld xmlns:a="http://schemas.openxmlformats.org/drawingml/2006/main" xmlns:r="http://schemas.openxmlformats.org/officeDocument/2006/relationships" xmlns:p="http://schemas.openxmlformats.org/presentationml/2006/main">
-  <p:cSld>
-    <p:spTree>
-      <p:nvGrpSpPr>
-        <p:cNvPr id="1" name=""/>
-        <p:cNvGrpSpPr/>
-        <p:nvPr/>
-      </p:nvGrpSpPr>
-      <p:grpSpPr/>
-      <p:pic>
-        <p:nvPicPr>
-          <p:cNvPr id="5" name="Picture 4" descr="United TrusT Logo"/>
-          <p:cNvPicPr>
-            <a:picLocks noChangeAspect="1"/>
-          </p:cNvPicPr>
-          <p:nvPr/>
-        </p:nvPicPr>
-        <p:blipFill>
-          <a:blip r:embed="rId1"/>
-          <a:stretch>
-            <a:fillRect/>
-          </a:stretch>
-        </p:blipFill>
-        <p:spPr>
-          <a:xfrm>
-            <a:off x="108585" y="6128385"/>
-            <a:ext cx="1650365" cy="634365"/>
-          </a:xfrm>
-          <a:prstGeom prst="rect">
-            <a:avLst/>
-          </a:prstGeom>
-        </p:spPr>
-      </p:pic>
-      <p:pic>
-        <p:nvPicPr>
-          <p:cNvPr id="6" name="Picture 5" descr="bdedu_logo"/>
-          <p:cNvPicPr>
-            <a:picLocks noChangeAspect="1"/>
-          </p:cNvPicPr>
-          <p:nvPr/>
-        </p:nvPicPr>
-        <p:blipFill>
-          <a:blip r:embed="rId2"/>
-          <a:stretch>
-            <a:fillRect/>
-          </a:stretch>
-        </p:blipFill>
-        <p:spPr>
-          <a:xfrm>
-            <a:off x="9440545" y="6061710"/>
-            <a:ext cx="2693670" cy="701040"/>
-          </a:xfrm>
-          <a:prstGeom prst="rect">
-            <a:avLst/>
-          </a:prstGeom>
-        </p:spPr>
-      </p:pic>
-      <p:sp>
-        <p:nvSpPr>
-          <p:cNvPr id="10" name="Freeform 9"/>
-          <p:cNvSpPr/>
-          <p:nvPr/>
-        </p:nvSpPr>
-        <p:spPr>
-          <a:xfrm>
-            <a:off x="440690" y="120650"/>
-            <a:ext cx="9353550" cy="1162050"/>
-          </a:xfrm>
-          <a:custGeom>
-            <a:avLst/>
-            <a:gdLst>
-              <a:gd name="connsiteX0" fmla="*/ 0 w 14730"/>
-              <a:gd name="connsiteY0" fmla="*/ 0 h 1830"/>
-              <a:gd name="connsiteX1" fmla="*/ 13869 w 14730"/>
-              <a:gd name="connsiteY1" fmla="*/ 60 h 1830"/>
-              <a:gd name="connsiteX2" fmla="*/ 14730 w 14730"/>
-              <a:gd name="connsiteY2" fmla="*/ 1830 h 1830"/>
-              <a:gd name="connsiteX3" fmla="*/ 0 w 14730"/>
-              <a:gd name="connsiteY3" fmla="*/ 1830 h 1830"/>
-              <a:gd name="connsiteX4" fmla="*/ 0 w 14730"/>
-              <a:gd name="connsiteY4" fmla="*/ 0 h 1830"/>
-            </a:gdLst>
-            <a:ahLst/>
-            <a:cxnLst>
-              <a:cxn ang="0">
-                <a:pos x="connsiteX0" y="connsiteY0"/>
-              </a:cxn>
-              <a:cxn ang="0">
-                <a:pos x="connsiteX1" y="connsiteY1"/>
-              </a:cxn>
-              <a:cxn ang="0">
-                <a:pos x="connsiteX2" y="connsiteY2"/>
-              </a:cxn>
-              <a:cxn ang="0">
-                <a:pos x="connsiteX3" y="connsiteY3"/>
-              </a:cxn>
-              <a:cxn ang="0">
-                <a:pos x="connsiteX4" y="connsiteY4"/>
-              </a:cxn>
-            </a:cxnLst>
-            <a:rect l="l" t="t" r="r" b="b"/>
-            <a:pathLst>
-              <a:path w="14730" h="1830">
-                <a:moveTo>
-                  <a:pt x="0" y="0"/>
-                </a:moveTo>
-                <a:lnTo>
-                  <a:pt x="13869" y="60"/>
-                </a:lnTo>
-                <a:lnTo>
-                  <a:pt x="14730" y="1830"/>
-                </a:lnTo>
-                <a:lnTo>
-                  <a:pt x="0" y="1830"/>
-                </a:lnTo>
-                <a:lnTo>
-                  <a:pt x="0" y="0"/>
-                </a:lnTo>
-                <a:close/>
-              </a:path>
-            </a:pathLst>
-          </a:custGeom>
-          <a:solidFill>
-            <a:schemeClr val="tx2">
-              <a:lumMod val="75000"/>
-              <a:lumOff val="25000"/>
-            </a:schemeClr>
-          </a:solidFill>
-          <a:ln>
-            <a:solidFill>
-              <a:schemeClr val="bg1">
-                <a:alpha val="88000"/>
-              </a:schemeClr>
-            </a:solidFill>
-          </a:ln>
-        </p:spPr>
-        <p:style>
-          <a:lnRef idx="2">
-            <a:schemeClr val="accent1">
-              <a:shade val="50000"/>
-            </a:schemeClr>
-          </a:lnRef>
-          <a:fillRef idx="1">
-            <a:schemeClr val="accent1"/>
-          </a:fillRef>
-          <a:effectRef idx="0">
-            <a:schemeClr val="accent1"/>
-          </a:effectRef>
-          <a:fontRef idx="minor">
-            <a:schemeClr val="lt1"/>
-          </a:fontRef>
-        </p:style>
-        <p:txBody>
-          <a:bodyPr rtlCol="0" anchor="ctr"/>
-          <a:p>
-            <a:pPr algn="ctr"/>
-            <a:endParaRPr lang="en-US"/>
-          </a:p>
-        </p:txBody>
-      </p:sp>
-      <p:pic>
-        <p:nvPicPr>
-          <p:cNvPr id="7" name="Picture 6"/>
-          <p:cNvPicPr>
-            <a:picLocks noChangeAspect="1"/>
-          </p:cNvPicPr>
-          <p:nvPr/>
-        </p:nvPicPr>
-        <p:blipFill>
-          <a:blip r:embed="rId3"/>
-          <a:stretch>
-            <a:fillRect/>
-          </a:stretch>
-        </p:blipFill>
-        <p:spPr>
-          <a:xfrm>
-            <a:off x="-135890" y="-110490"/>
-            <a:ext cx="1681480" cy="1624330"/>
-          </a:xfrm>
-          <a:prstGeom prst="rect">
-            <a:avLst/>
-          </a:prstGeom>
-        </p:spPr>
-      </p:pic>
-      <p:sp>
-        <p:nvSpPr>
-          <p:cNvPr id="8" name="Text Box 7"/>
-          <p:cNvSpPr txBox="1"/>
-          <p:nvPr/>
-        </p:nvSpPr>
-        <p:spPr>
-          <a:xfrm>
-            <a:off x="1675130" y="354330"/>
-            <a:ext cx="7353300" cy="583565"/>
-          </a:xfrm>
-          <a:prstGeom prst="rect">
-            <a:avLst/>
-          </a:prstGeom>
-          <a:noFill/>
-        </p:spPr>
-        <p:txBody>
-          <a:bodyPr wrap="square" rtlCol="0">
-            <a:spAutoFit/>
-          </a:bodyPr>
-          <a:p>
-            <a:r>
-              <a:rPr lang="en-US" altLang="en-US" sz="3200" b="1">
-                <a:ln w="10160">
-                  <a:solidFill>
-                    <a:schemeClr val="accent5"/>
-                  </a:solidFill>
-                  <a:prstDash val="solid"/>
-                </a:ln>
-                <a:solidFill>
-                  <a:srgbClr val="FFFFFF"/>
-                </a:solidFill>
-                <a:effectLst>
-                  <a:outerShdw blurRad="38100" dist="22860" dir="5400000" algn="tl" rotWithShape="0">
-                    <a:srgbClr val="000000">
-                      <a:alpha val="30000"/>
-                    </a:srgbClr>
-                  </a:outerShdw>
-                </a:effectLst>
-                <a:latin typeface="Tibetan Machine Uni" panose="01000503020000020002" charset="0"/>
-                <a:cs typeface="Tibetan Machine Uni" panose="01000503020000020002" charset="0"/>
-              </a:rPr>
-              <a:t>Defenses against DNS Poisoning</a:t>
-            </a:r>
-            <a:endParaRPr lang="en-US" altLang="en-US" sz="3200" b="1">
-              <a:ln w="10160">
-                <a:solidFill>
-                  <a:schemeClr val="accent5"/>
-                </a:solidFill>
-                <a:prstDash val="solid"/>
-              </a:ln>
-              <a:solidFill>
-                <a:srgbClr val="FFFFFF"/>
-              </a:solidFill>
-              <a:effectLst>
-                <a:outerShdw blurRad="38100" dist="22860" dir="5400000" algn="tl" rotWithShape="0">
-                  <a:srgbClr val="000000">
-                    <a:alpha val="30000"/>
-                  </a:srgbClr>
-                </a:outerShdw>
-              </a:effectLst>
-              <a:latin typeface="Tibetan Machine Uni" panose="01000503020000020002" charset="0"/>
-              <a:cs typeface="Tibetan Machine Uni" panose="01000503020000020002" charset="0"/>
-            </a:endParaRPr>
-          </a:p>
-        </p:txBody>
-      </p:sp>
-      <p:sp>
-        <p:nvSpPr>
-          <p:cNvPr id="100" name="Text Box 99"/>
-          <p:cNvSpPr txBox="1"/>
-          <p:nvPr/>
-        </p:nvSpPr>
-        <p:spPr>
-          <a:xfrm>
-            <a:off x="1545590" y="3622675"/>
-            <a:ext cx="3125470" cy="768350"/>
-          </a:xfrm>
-          <a:prstGeom prst="rect">
-            <a:avLst/>
-          </a:prstGeom>
-          <a:noFill/>
-          <a:ln w="9525">
-            <a:noFill/>
-          </a:ln>
-        </p:spPr>
-        <p:txBody>
-          <a:bodyPr wrap="square">
-            <a:spAutoFit/>
-          </a:bodyPr>
-          <a:p>
-            <a:pPr marL="0" indent="0"/>
-            <a:r>
-              <a:rPr lang="en-US" altLang="en-US" sz="4400" b="0">
-                <a:latin typeface="Calibri" charset="0"/>
-                <a:cs typeface="SimSun" charset="0"/>
-              </a:rPr>
-              <a:t>use VPN</a:t>
-            </a:r>
-            <a:endParaRPr lang="en-US" altLang="en-US" sz="4400" b="0">
-              <a:latin typeface="Calibri" charset="0"/>
-              <a:cs typeface="SimSun" charset="0"/>
-            </a:endParaRPr>
-          </a:p>
-        </p:txBody>
-      </p:sp>
-      <p:pic>
-        <p:nvPicPr>
-          <p:cNvPr id="16" name="Picture 16" descr="vpn-02"/>
-          <p:cNvPicPr>
-            <a:picLocks noChangeAspect="1"/>
-          </p:cNvPicPr>
-          <p:nvPr/>
-        </p:nvPicPr>
-        <p:blipFill>
-          <a:blip r:embed="rId4">
-            <a:clrChange>
-              <a:clrFrom>
-                <a:srgbClr val="FFFFFF">
-                  <a:alpha val="100000"/>
-                </a:srgbClr>
-              </a:clrFrom>
-              <a:clrTo>
-                <a:srgbClr val="FFFFFF">
-                  <a:alpha val="100000"/>
-                  <a:alpha val="0"/>
-                </a:srgbClr>
-              </a:clrTo>
-            </a:clrChange>
-            <a:lum bright="-12000"/>
-          </a:blip>
-          <a:stretch>
-            <a:fillRect/>
-          </a:stretch>
-        </p:blipFill>
-        <p:spPr>
-          <a:xfrm>
-            <a:off x="5763895" y="1873885"/>
-            <a:ext cx="6240780" cy="3596640"/>
-          </a:xfrm>
-          <a:prstGeom prst="rect">
-            <a:avLst/>
-          </a:prstGeom>
         </p:spPr>
       </p:pic>
     </p:spTree>
